--- a/Design_ideen.pptx
+++ b/Design_ideen.pptx
@@ -7,6 +7,7 @@
   <p:sldIdLst>
     <p:sldId id="256" r:id="rId2"/>
     <p:sldId id="257" r:id="rId3"/>
+    <p:sldId id="258" r:id="rId4"/>
   </p:sldIdLst>
   <p:sldSz cx="12192000" cy="6858000"/>
   <p:notesSz cx="6858000" cy="9144000"/>
@@ -105,6 +106,11 @@
       </a:defRPr>
     </a:lvl9pPr>
   </p:defaultTextStyle>
+  <p:extLst>
+    <p:ext uri="{EFAFB233-063F-42B5-8137-9DF3F51BA10A}">
+      <p15:sldGuideLst xmlns:p15="http://schemas.microsoft.com/office/powerpoint/2012/main"/>
+    </p:ext>
+  </p:extLst>
 </p:presentation>
 </file>
 
@@ -3765,10 +3771,951 @@
           <a:chExt cx="0" cy="0"/>
         </a:xfrm>
       </p:grpSpPr>
+      <p:sp>
+        <p:nvSpPr>
+          <p:cNvPr id="11" name="Rechteck 10"/>
+          <p:cNvSpPr/>
+          <p:nvPr/>
+        </p:nvSpPr>
+        <p:spPr>
+          <a:xfrm>
+            <a:off x="1237785" y="512458"/>
+            <a:ext cx="8653346" cy="5386700"/>
+          </a:xfrm>
+          <a:prstGeom prst="rect">
+            <a:avLst/>
+          </a:prstGeom>
+          <a:solidFill>
+            <a:srgbClr val="FFFF66"/>
+          </a:solidFill>
+        </p:spPr>
+        <p:style>
+          <a:lnRef idx="2">
+            <a:schemeClr val="accent1">
+              <a:shade val="50000"/>
+            </a:schemeClr>
+          </a:lnRef>
+          <a:fillRef idx="1">
+            <a:schemeClr val="accent1"/>
+          </a:fillRef>
+          <a:effectRef idx="0">
+            <a:schemeClr val="accent1"/>
+          </a:effectRef>
+          <a:fontRef idx="minor">
+            <a:schemeClr val="lt1"/>
+          </a:fontRef>
+        </p:style>
+        <p:txBody>
+          <a:bodyPr rtlCol="0" anchor="ctr"/>
+          <a:lstStyle/>
+          <a:p>
+            <a:pPr algn="ctr"/>
+            <a:endParaRPr lang="de-DE">
+              <a:solidFill>
+                <a:schemeClr val="bg1"/>
+              </a:solidFill>
+            </a:endParaRPr>
+          </a:p>
+        </p:txBody>
+      </p:sp>
+      <p:pic>
+        <p:nvPicPr>
+          <p:cNvPr id="2" name="Grafik 1"/>
+          <p:cNvPicPr>
+            <a:picLocks noChangeAspect="1"/>
+          </p:cNvPicPr>
+          <p:nvPr/>
+        </p:nvPicPr>
+        <p:blipFill rotWithShape="1">
+          <a:blip r:embed="rId2" cstate="print">
+            <a:extLst>
+              <a:ext uri="{28A0092B-C50C-407E-A947-70E740481C1C}">
+                <a14:useLocalDpi xmlns:a14="http://schemas.microsoft.com/office/drawing/2010/main" val="0"/>
+              </a:ext>
+            </a:extLst>
+          </a:blip>
+          <a:srcRect l="6059" t="10094" r="6845" b="12365"/>
+          <a:stretch/>
+        </p:blipFill>
+        <p:spPr>
+          <a:xfrm>
+            <a:off x="2815684" y="1416037"/>
+            <a:ext cx="5675970" cy="3601845"/>
+          </a:xfrm>
+          <a:prstGeom prst="rect">
+            <a:avLst/>
+          </a:prstGeom>
+        </p:spPr>
+      </p:pic>
+      <p:sp>
+        <p:nvSpPr>
+          <p:cNvPr id="5" name="Rechteck 4"/>
+          <p:cNvSpPr/>
+          <p:nvPr/>
+        </p:nvSpPr>
+        <p:spPr>
+          <a:xfrm>
+            <a:off x="1237785" y="5508865"/>
+            <a:ext cx="2921620" cy="367495"/>
+          </a:xfrm>
+          <a:prstGeom prst="rect">
+            <a:avLst/>
+          </a:prstGeom>
+          <a:solidFill>
+            <a:schemeClr val="accent6"/>
+          </a:solidFill>
+        </p:spPr>
+        <p:style>
+          <a:lnRef idx="2">
+            <a:schemeClr val="accent1">
+              <a:shade val="50000"/>
+            </a:schemeClr>
+          </a:lnRef>
+          <a:fillRef idx="1">
+            <a:schemeClr val="accent1"/>
+          </a:fillRef>
+          <a:effectRef idx="0">
+            <a:schemeClr val="accent1"/>
+          </a:effectRef>
+          <a:fontRef idx="minor">
+            <a:schemeClr val="lt1"/>
+          </a:fontRef>
+        </p:style>
+        <p:txBody>
+          <a:bodyPr rtlCol="0" anchor="ctr"/>
+          <a:lstStyle/>
+          <a:p>
+            <a:pPr algn="ctr"/>
+            <a:r>
+              <a:rPr lang="de-DE" sz="1100" dirty="0" smtClean="0">
+                <a:solidFill>
+                  <a:schemeClr val="bg1"/>
+                </a:solidFill>
+              </a:rPr>
+              <a:t>Seitenbeschreibung</a:t>
+            </a:r>
+            <a:endParaRPr lang="de-DE" sz="1100" dirty="0">
+              <a:solidFill>
+                <a:schemeClr val="bg1"/>
+              </a:solidFill>
+            </a:endParaRPr>
+          </a:p>
+        </p:txBody>
+      </p:sp>
+      <p:sp>
+        <p:nvSpPr>
+          <p:cNvPr id="6" name="Rechteck 5"/>
+          <p:cNvSpPr/>
+          <p:nvPr/>
+        </p:nvSpPr>
+        <p:spPr>
+          <a:xfrm>
+            <a:off x="4159405" y="5531663"/>
+            <a:ext cx="2821259" cy="356010"/>
+          </a:xfrm>
+          <a:prstGeom prst="rect">
+            <a:avLst/>
+          </a:prstGeom>
+          <a:solidFill>
+            <a:schemeClr val="accent6"/>
+          </a:solidFill>
+        </p:spPr>
+        <p:style>
+          <a:lnRef idx="2">
+            <a:schemeClr val="accent1">
+              <a:shade val="50000"/>
+            </a:schemeClr>
+          </a:lnRef>
+          <a:fillRef idx="1">
+            <a:schemeClr val="accent1"/>
+          </a:fillRef>
+          <a:effectRef idx="0">
+            <a:schemeClr val="accent1"/>
+          </a:effectRef>
+          <a:fontRef idx="minor">
+            <a:schemeClr val="lt1"/>
+          </a:fontRef>
+        </p:style>
+        <p:txBody>
+          <a:bodyPr rtlCol="0" anchor="ctr"/>
+          <a:lstStyle/>
+          <a:p>
+            <a:pPr algn="ctr"/>
+            <a:r>
+              <a:rPr lang="de-DE" sz="1100" dirty="0" smtClean="0">
+                <a:solidFill>
+                  <a:schemeClr val="bg1"/>
+                </a:solidFill>
+              </a:rPr>
+              <a:t>Impressum</a:t>
+            </a:r>
+            <a:endParaRPr lang="de-DE" sz="1100" dirty="0">
+              <a:solidFill>
+                <a:schemeClr val="bg1"/>
+              </a:solidFill>
+            </a:endParaRPr>
+          </a:p>
+        </p:txBody>
+      </p:sp>
+      <p:sp>
+        <p:nvSpPr>
+          <p:cNvPr id="7" name="Rechteck 6"/>
+          <p:cNvSpPr/>
+          <p:nvPr/>
+        </p:nvSpPr>
+        <p:spPr>
+          <a:xfrm>
+            <a:off x="6947210" y="5531663"/>
+            <a:ext cx="2943921" cy="367495"/>
+          </a:xfrm>
+          <a:prstGeom prst="rect">
+            <a:avLst/>
+          </a:prstGeom>
+          <a:solidFill>
+            <a:schemeClr val="accent6"/>
+          </a:solidFill>
+        </p:spPr>
+        <p:style>
+          <a:lnRef idx="2">
+            <a:schemeClr val="accent1">
+              <a:shade val="50000"/>
+            </a:schemeClr>
+          </a:lnRef>
+          <a:fillRef idx="1">
+            <a:schemeClr val="accent1"/>
+          </a:fillRef>
+          <a:effectRef idx="0">
+            <a:schemeClr val="accent1"/>
+          </a:effectRef>
+          <a:fontRef idx="minor">
+            <a:schemeClr val="lt1"/>
+          </a:fontRef>
+        </p:style>
+        <p:txBody>
+          <a:bodyPr rtlCol="0" anchor="ctr"/>
+          <a:lstStyle/>
+          <a:p>
+            <a:pPr algn="ctr"/>
+            <a:r>
+              <a:rPr lang="de-DE" sz="1100" dirty="0" smtClean="0">
+                <a:solidFill>
+                  <a:schemeClr val="bg1"/>
+                </a:solidFill>
+              </a:rPr>
+              <a:t>Haftungshinweis</a:t>
+            </a:r>
+            <a:endParaRPr lang="de-DE" sz="1100" dirty="0">
+              <a:solidFill>
+                <a:schemeClr val="bg1"/>
+              </a:solidFill>
+            </a:endParaRPr>
+          </a:p>
+        </p:txBody>
+      </p:sp>
+      <p:sp>
+        <p:nvSpPr>
+          <p:cNvPr id="8" name="Rechteck 7"/>
+          <p:cNvSpPr/>
+          <p:nvPr/>
+        </p:nvSpPr>
+        <p:spPr>
+          <a:xfrm>
+            <a:off x="3166029" y="500812"/>
+            <a:ext cx="3290527" cy="412596"/>
+          </a:xfrm>
+          <a:prstGeom prst="rect">
+            <a:avLst/>
+          </a:prstGeom>
+          <a:solidFill>
+            <a:schemeClr val="accent6"/>
+          </a:solidFill>
+        </p:spPr>
+        <p:style>
+          <a:lnRef idx="2">
+            <a:schemeClr val="accent1">
+              <a:shade val="50000"/>
+            </a:schemeClr>
+          </a:lnRef>
+          <a:fillRef idx="1">
+            <a:schemeClr val="accent1"/>
+          </a:fillRef>
+          <a:effectRef idx="0">
+            <a:schemeClr val="accent1"/>
+          </a:effectRef>
+          <a:fontRef idx="minor">
+            <a:schemeClr val="lt1"/>
+          </a:fontRef>
+        </p:style>
+        <p:txBody>
+          <a:bodyPr rtlCol="0" anchor="ctr"/>
+          <a:lstStyle/>
+          <a:p>
+            <a:pPr algn="ctr"/>
+            <a:r>
+              <a:rPr lang="de-DE" dirty="0" smtClean="0">
+                <a:solidFill>
+                  <a:schemeClr val="bg1"/>
+                </a:solidFill>
+              </a:rPr>
+              <a:t>Mathe</a:t>
+            </a:r>
+            <a:endParaRPr lang="de-DE" dirty="0">
+              <a:solidFill>
+                <a:schemeClr val="bg1"/>
+              </a:solidFill>
+            </a:endParaRPr>
+          </a:p>
+        </p:txBody>
+      </p:sp>
+      <p:sp>
+        <p:nvSpPr>
+          <p:cNvPr id="9" name="Rechteck 8"/>
+          <p:cNvSpPr/>
+          <p:nvPr/>
+        </p:nvSpPr>
+        <p:spPr>
+          <a:xfrm>
+            <a:off x="6456556" y="500812"/>
+            <a:ext cx="3434575" cy="401444"/>
+          </a:xfrm>
+          <a:prstGeom prst="rect">
+            <a:avLst/>
+          </a:prstGeom>
+          <a:solidFill>
+            <a:schemeClr val="accent6"/>
+          </a:solidFill>
+        </p:spPr>
+        <p:style>
+          <a:lnRef idx="2">
+            <a:schemeClr val="accent1">
+              <a:shade val="50000"/>
+            </a:schemeClr>
+          </a:lnRef>
+          <a:fillRef idx="1">
+            <a:schemeClr val="accent1"/>
+          </a:fillRef>
+          <a:effectRef idx="0">
+            <a:schemeClr val="accent1"/>
+          </a:effectRef>
+          <a:fontRef idx="minor">
+            <a:schemeClr val="lt1"/>
+          </a:fontRef>
+        </p:style>
+        <p:txBody>
+          <a:bodyPr rtlCol="0" anchor="ctr"/>
+          <a:lstStyle/>
+          <a:p>
+            <a:pPr algn="ctr"/>
+            <a:r>
+              <a:rPr lang="de-DE" dirty="0" smtClean="0">
+                <a:solidFill>
+                  <a:schemeClr val="bg1"/>
+                </a:solidFill>
+              </a:rPr>
+              <a:t>Musik</a:t>
+            </a:r>
+            <a:endParaRPr lang="de-DE" dirty="0">
+              <a:solidFill>
+                <a:schemeClr val="bg1"/>
+              </a:solidFill>
+            </a:endParaRPr>
+          </a:p>
+        </p:txBody>
+      </p:sp>
+      <p:sp>
+        <p:nvSpPr>
+          <p:cNvPr id="10" name="Textfeld 9"/>
+          <p:cNvSpPr txBox="1"/>
+          <p:nvPr/>
+        </p:nvSpPr>
+        <p:spPr>
+          <a:xfrm>
+            <a:off x="4906536" y="2864769"/>
+            <a:ext cx="4683513" cy="369332"/>
+          </a:xfrm>
+          <a:prstGeom prst="rect">
+            <a:avLst/>
+          </a:prstGeom>
+          <a:noFill/>
+        </p:spPr>
+        <p:txBody>
+          <a:bodyPr wrap="square" rtlCol="0">
+            <a:spAutoFit/>
+          </a:bodyPr>
+          <a:lstStyle/>
+          <a:p>
+            <a:r>
+              <a:rPr lang="de-DE" dirty="0" smtClean="0">
+                <a:solidFill>
+                  <a:schemeClr val="bg1"/>
+                </a:solidFill>
+              </a:rPr>
+              <a:t>Mathe_Karteikarte</a:t>
+            </a:r>
+            <a:endParaRPr lang="de-DE" dirty="0">
+              <a:solidFill>
+                <a:schemeClr val="bg1"/>
+              </a:solidFill>
+            </a:endParaRPr>
+          </a:p>
+        </p:txBody>
+      </p:sp>
+      <p:sp>
+        <p:nvSpPr>
+          <p:cNvPr id="12" name="Rechteck 11"/>
+          <p:cNvSpPr/>
+          <p:nvPr/>
+        </p:nvSpPr>
+        <p:spPr>
+          <a:xfrm>
+            <a:off x="1237786" y="512458"/>
+            <a:ext cx="1928244" cy="400950"/>
+          </a:xfrm>
+          <a:prstGeom prst="rect">
+            <a:avLst/>
+          </a:prstGeom>
+          <a:solidFill>
+            <a:schemeClr val="accent6"/>
+          </a:solidFill>
+        </p:spPr>
+        <p:style>
+          <a:lnRef idx="2">
+            <a:schemeClr val="accent1">
+              <a:shade val="50000"/>
+            </a:schemeClr>
+          </a:lnRef>
+          <a:fillRef idx="1">
+            <a:schemeClr val="accent1"/>
+          </a:fillRef>
+          <a:effectRef idx="0">
+            <a:schemeClr val="accent1"/>
+          </a:effectRef>
+          <a:fontRef idx="minor">
+            <a:schemeClr val="lt1"/>
+          </a:fontRef>
+        </p:style>
+        <p:txBody>
+          <a:bodyPr rtlCol="0" anchor="ctr"/>
+          <a:lstStyle/>
+          <a:p>
+            <a:pPr algn="ctr"/>
+            <a:r>
+              <a:rPr lang="de-DE" dirty="0" err="1" smtClean="0">
+                <a:solidFill>
+                  <a:schemeClr val="bg1"/>
+                </a:solidFill>
+              </a:rPr>
+              <a:t>Lernbolt</a:t>
+            </a:r>
+            <a:endParaRPr lang="de-DE" dirty="0">
+              <a:solidFill>
+                <a:schemeClr val="bg1"/>
+              </a:solidFill>
+            </a:endParaRPr>
+          </a:p>
+        </p:txBody>
+      </p:sp>
+      <p:sp>
+        <p:nvSpPr>
+          <p:cNvPr id="13" name="Rechteck 12"/>
+          <p:cNvSpPr/>
+          <p:nvPr/>
+        </p:nvSpPr>
+        <p:spPr>
+          <a:xfrm>
+            <a:off x="8948853" y="2955363"/>
+            <a:ext cx="485078" cy="780419"/>
+          </a:xfrm>
+          <a:prstGeom prst="rect">
+            <a:avLst/>
+          </a:prstGeom>
+          <a:solidFill>
+            <a:schemeClr val="accent6"/>
+          </a:solidFill>
+        </p:spPr>
+        <p:style>
+          <a:lnRef idx="2">
+            <a:schemeClr val="accent1">
+              <a:shade val="50000"/>
+            </a:schemeClr>
+          </a:lnRef>
+          <a:fillRef idx="1">
+            <a:schemeClr val="accent1"/>
+          </a:fillRef>
+          <a:effectRef idx="0">
+            <a:schemeClr val="accent1"/>
+          </a:effectRef>
+          <a:fontRef idx="minor">
+            <a:schemeClr val="lt1"/>
+          </a:fontRef>
+        </p:style>
+        <p:txBody>
+          <a:bodyPr rtlCol="0" anchor="ctr"/>
+          <a:lstStyle/>
+          <a:p>
+            <a:pPr algn="ctr"/>
+            <a:r>
+              <a:rPr lang="de-DE" dirty="0" smtClean="0">
+                <a:sym typeface="Wingdings" panose="05000000000000000000" pitchFamily="2" charset="2"/>
+              </a:rPr>
+              <a:t></a:t>
+            </a:r>
+            <a:endParaRPr lang="de-DE" dirty="0"/>
+          </a:p>
+        </p:txBody>
+      </p:sp>
+      <p:sp>
+        <p:nvSpPr>
+          <p:cNvPr id="15" name="Rechteck 14"/>
+          <p:cNvSpPr/>
+          <p:nvPr/>
+        </p:nvSpPr>
+        <p:spPr>
+          <a:xfrm>
+            <a:off x="1845528" y="2977499"/>
+            <a:ext cx="512956" cy="758283"/>
+          </a:xfrm>
+          <a:prstGeom prst="rect">
+            <a:avLst/>
+          </a:prstGeom>
+          <a:solidFill>
+            <a:schemeClr val="accent6"/>
+          </a:solidFill>
+        </p:spPr>
+        <p:style>
+          <a:lnRef idx="2">
+            <a:schemeClr val="accent1">
+              <a:shade val="50000"/>
+            </a:schemeClr>
+          </a:lnRef>
+          <a:fillRef idx="1">
+            <a:schemeClr val="accent1"/>
+          </a:fillRef>
+          <a:effectRef idx="0">
+            <a:schemeClr val="accent1"/>
+          </a:effectRef>
+          <a:fontRef idx="minor">
+            <a:schemeClr val="lt1"/>
+          </a:fontRef>
+        </p:style>
+        <p:txBody>
+          <a:bodyPr rtlCol="0" anchor="ctr"/>
+          <a:lstStyle/>
+          <a:p>
+            <a:pPr algn="ctr"/>
+            <a:r>
+              <a:rPr lang="de-DE" dirty="0" smtClean="0">
+                <a:sym typeface="Wingdings" panose="05000000000000000000" pitchFamily="2" charset="2"/>
+              </a:rPr>
+              <a:t></a:t>
+            </a:r>
+            <a:endParaRPr lang="de-DE" dirty="0"/>
+          </a:p>
+        </p:txBody>
+      </p:sp>
     </p:spTree>
     <p:extLst>
       <p:ext uri="{BB962C8B-B14F-4D97-AF65-F5344CB8AC3E}">
         <p14:creationId xmlns:p14="http://schemas.microsoft.com/office/powerpoint/2010/main" val="1607886998"/>
+      </p:ext>
+    </p:extLst>
+  </p:cSld>
+  <p:clrMapOvr>
+    <a:masterClrMapping/>
+  </p:clrMapOvr>
+</p:sld>
+</file>
+
+<file path=ppt/slides/slide3.xml><?xml version="1.0" encoding="utf-8"?>
+<p:sld xmlns:a="http://schemas.openxmlformats.org/drawingml/2006/main" xmlns:r="http://schemas.openxmlformats.org/officeDocument/2006/relationships" xmlns:p="http://schemas.openxmlformats.org/presentationml/2006/main">
+  <p:cSld>
+    <p:spTree>
+      <p:nvGrpSpPr>
+        <p:cNvPr id="1" name=""/>
+        <p:cNvGrpSpPr/>
+        <p:nvPr/>
+      </p:nvGrpSpPr>
+      <p:grpSpPr>
+        <a:xfrm>
+          <a:off x="0" y="0"/>
+          <a:ext cx="0" cy="0"/>
+          <a:chOff x="0" y="0"/>
+          <a:chExt cx="0" cy="0"/>
+        </a:xfrm>
+      </p:grpSpPr>
+      <p:sp>
+        <p:nvSpPr>
+          <p:cNvPr id="4" name="Rechteck 3"/>
+          <p:cNvSpPr/>
+          <p:nvPr/>
+        </p:nvSpPr>
+        <p:spPr>
+          <a:xfrm>
+            <a:off x="1215483" y="557063"/>
+            <a:ext cx="8653346" cy="5386700"/>
+          </a:xfrm>
+          <a:prstGeom prst="rect">
+            <a:avLst/>
+          </a:prstGeom>
+          <a:solidFill>
+            <a:srgbClr val="FFFF66"/>
+          </a:solidFill>
+        </p:spPr>
+        <p:style>
+          <a:lnRef idx="2">
+            <a:schemeClr val="accent1">
+              <a:shade val="50000"/>
+            </a:schemeClr>
+          </a:lnRef>
+          <a:fillRef idx="1">
+            <a:schemeClr val="accent1"/>
+          </a:fillRef>
+          <a:effectRef idx="0">
+            <a:schemeClr val="accent1"/>
+          </a:effectRef>
+          <a:fontRef idx="minor">
+            <a:schemeClr val="lt1"/>
+          </a:fontRef>
+        </p:style>
+        <p:txBody>
+          <a:bodyPr rtlCol="0" anchor="ctr"/>
+          <a:lstStyle/>
+          <a:p>
+            <a:pPr algn="ctr"/>
+            <a:endParaRPr lang="de-DE">
+              <a:solidFill>
+                <a:schemeClr val="bg1"/>
+              </a:solidFill>
+            </a:endParaRPr>
+          </a:p>
+        </p:txBody>
+      </p:sp>
+      <p:sp>
+        <p:nvSpPr>
+          <p:cNvPr id="6" name="Rechteck 5"/>
+          <p:cNvSpPr/>
+          <p:nvPr/>
+        </p:nvSpPr>
+        <p:spPr>
+          <a:xfrm>
+            <a:off x="1215483" y="5553470"/>
+            <a:ext cx="2921620" cy="367495"/>
+          </a:xfrm>
+          <a:prstGeom prst="rect">
+            <a:avLst/>
+          </a:prstGeom>
+          <a:solidFill>
+            <a:schemeClr val="accent6"/>
+          </a:solidFill>
+        </p:spPr>
+        <p:style>
+          <a:lnRef idx="2">
+            <a:schemeClr val="accent1">
+              <a:shade val="50000"/>
+            </a:schemeClr>
+          </a:lnRef>
+          <a:fillRef idx="1">
+            <a:schemeClr val="accent1"/>
+          </a:fillRef>
+          <a:effectRef idx="0">
+            <a:schemeClr val="accent1"/>
+          </a:effectRef>
+          <a:fontRef idx="minor">
+            <a:schemeClr val="lt1"/>
+          </a:fontRef>
+        </p:style>
+        <p:txBody>
+          <a:bodyPr rtlCol="0" anchor="ctr"/>
+          <a:lstStyle/>
+          <a:p>
+            <a:pPr algn="ctr"/>
+            <a:r>
+              <a:rPr lang="de-DE" sz="1100" dirty="0" smtClean="0">
+                <a:solidFill>
+                  <a:schemeClr val="bg1"/>
+                </a:solidFill>
+              </a:rPr>
+              <a:t>Seitenbeschreibung</a:t>
+            </a:r>
+            <a:endParaRPr lang="de-DE" sz="1100" dirty="0">
+              <a:solidFill>
+                <a:schemeClr val="bg1"/>
+              </a:solidFill>
+            </a:endParaRPr>
+          </a:p>
+        </p:txBody>
+      </p:sp>
+      <p:sp>
+        <p:nvSpPr>
+          <p:cNvPr id="7" name="Rechteck 6"/>
+          <p:cNvSpPr/>
+          <p:nvPr/>
+        </p:nvSpPr>
+        <p:spPr>
+          <a:xfrm>
+            <a:off x="4137103" y="5576268"/>
+            <a:ext cx="2821259" cy="356010"/>
+          </a:xfrm>
+          <a:prstGeom prst="rect">
+            <a:avLst/>
+          </a:prstGeom>
+          <a:solidFill>
+            <a:schemeClr val="accent6"/>
+          </a:solidFill>
+        </p:spPr>
+        <p:style>
+          <a:lnRef idx="2">
+            <a:schemeClr val="accent1">
+              <a:shade val="50000"/>
+            </a:schemeClr>
+          </a:lnRef>
+          <a:fillRef idx="1">
+            <a:schemeClr val="accent1"/>
+          </a:fillRef>
+          <a:effectRef idx="0">
+            <a:schemeClr val="accent1"/>
+          </a:effectRef>
+          <a:fontRef idx="minor">
+            <a:schemeClr val="lt1"/>
+          </a:fontRef>
+        </p:style>
+        <p:txBody>
+          <a:bodyPr rtlCol="0" anchor="ctr"/>
+          <a:lstStyle/>
+          <a:p>
+            <a:pPr algn="ctr"/>
+            <a:r>
+              <a:rPr lang="de-DE" sz="1100" dirty="0" smtClean="0">
+                <a:solidFill>
+                  <a:schemeClr val="bg1"/>
+                </a:solidFill>
+              </a:rPr>
+              <a:t>Impressum</a:t>
+            </a:r>
+            <a:endParaRPr lang="de-DE" sz="1100" dirty="0">
+              <a:solidFill>
+                <a:schemeClr val="bg1"/>
+              </a:solidFill>
+            </a:endParaRPr>
+          </a:p>
+        </p:txBody>
+      </p:sp>
+      <p:sp>
+        <p:nvSpPr>
+          <p:cNvPr id="8" name="Rechteck 7"/>
+          <p:cNvSpPr/>
+          <p:nvPr/>
+        </p:nvSpPr>
+        <p:spPr>
+          <a:xfrm>
+            <a:off x="6924908" y="5576268"/>
+            <a:ext cx="2943921" cy="367495"/>
+          </a:xfrm>
+          <a:prstGeom prst="rect">
+            <a:avLst/>
+          </a:prstGeom>
+          <a:solidFill>
+            <a:schemeClr val="accent6"/>
+          </a:solidFill>
+        </p:spPr>
+        <p:style>
+          <a:lnRef idx="2">
+            <a:schemeClr val="accent1">
+              <a:shade val="50000"/>
+            </a:schemeClr>
+          </a:lnRef>
+          <a:fillRef idx="1">
+            <a:schemeClr val="accent1"/>
+          </a:fillRef>
+          <a:effectRef idx="0">
+            <a:schemeClr val="accent1"/>
+          </a:effectRef>
+          <a:fontRef idx="minor">
+            <a:schemeClr val="lt1"/>
+          </a:fontRef>
+        </p:style>
+        <p:txBody>
+          <a:bodyPr rtlCol="0" anchor="ctr"/>
+          <a:lstStyle/>
+          <a:p>
+            <a:pPr algn="ctr"/>
+            <a:r>
+              <a:rPr lang="de-DE" sz="1100" dirty="0" smtClean="0">
+                <a:solidFill>
+                  <a:schemeClr val="bg1"/>
+                </a:solidFill>
+              </a:rPr>
+              <a:t>Haftungshinweis</a:t>
+            </a:r>
+            <a:endParaRPr lang="de-DE" sz="1100" dirty="0">
+              <a:solidFill>
+                <a:schemeClr val="bg1"/>
+              </a:solidFill>
+            </a:endParaRPr>
+          </a:p>
+        </p:txBody>
+      </p:sp>
+      <p:sp>
+        <p:nvSpPr>
+          <p:cNvPr id="9" name="Rechteck 8"/>
+          <p:cNvSpPr/>
+          <p:nvPr/>
+        </p:nvSpPr>
+        <p:spPr>
+          <a:xfrm>
+            <a:off x="1215483" y="545417"/>
+            <a:ext cx="4293219" cy="401444"/>
+          </a:xfrm>
+          <a:prstGeom prst="rect">
+            <a:avLst/>
+          </a:prstGeom>
+          <a:solidFill>
+            <a:schemeClr val="accent6"/>
+          </a:solidFill>
+        </p:spPr>
+        <p:style>
+          <a:lnRef idx="2">
+            <a:schemeClr val="accent1">
+              <a:shade val="50000"/>
+            </a:schemeClr>
+          </a:lnRef>
+          <a:fillRef idx="1">
+            <a:schemeClr val="accent1"/>
+          </a:fillRef>
+          <a:effectRef idx="0">
+            <a:schemeClr val="accent1"/>
+          </a:effectRef>
+          <a:fontRef idx="minor">
+            <a:schemeClr val="lt1"/>
+          </a:fontRef>
+        </p:style>
+        <p:txBody>
+          <a:bodyPr rtlCol="0" anchor="ctr"/>
+          <a:lstStyle/>
+          <a:p>
+            <a:pPr algn="ctr"/>
+            <a:r>
+              <a:rPr lang="de-DE" dirty="0" smtClean="0">
+                <a:solidFill>
+                  <a:schemeClr val="bg1"/>
+                </a:solidFill>
+              </a:rPr>
+              <a:t>Mathe</a:t>
+            </a:r>
+            <a:endParaRPr lang="de-DE" dirty="0">
+              <a:solidFill>
+                <a:schemeClr val="bg1"/>
+              </a:solidFill>
+            </a:endParaRPr>
+          </a:p>
+        </p:txBody>
+      </p:sp>
+      <p:sp>
+        <p:nvSpPr>
+          <p:cNvPr id="10" name="Rechteck 9"/>
+          <p:cNvSpPr/>
+          <p:nvPr/>
+        </p:nvSpPr>
+        <p:spPr>
+          <a:xfrm>
+            <a:off x="5508702" y="545417"/>
+            <a:ext cx="4360127" cy="401444"/>
+          </a:xfrm>
+          <a:prstGeom prst="rect">
+            <a:avLst/>
+          </a:prstGeom>
+          <a:solidFill>
+            <a:schemeClr val="accent6"/>
+          </a:solidFill>
+        </p:spPr>
+        <p:style>
+          <a:lnRef idx="2">
+            <a:schemeClr val="accent1">
+              <a:shade val="50000"/>
+            </a:schemeClr>
+          </a:lnRef>
+          <a:fillRef idx="1">
+            <a:schemeClr val="accent1"/>
+          </a:fillRef>
+          <a:effectRef idx="0">
+            <a:schemeClr val="accent1"/>
+          </a:effectRef>
+          <a:fontRef idx="minor">
+            <a:schemeClr val="lt1"/>
+          </a:fontRef>
+        </p:style>
+        <p:txBody>
+          <a:bodyPr rtlCol="0" anchor="ctr"/>
+          <a:lstStyle/>
+          <a:p>
+            <a:pPr algn="ctr"/>
+            <a:r>
+              <a:rPr lang="de-DE" dirty="0" smtClean="0">
+                <a:solidFill>
+                  <a:schemeClr val="bg1"/>
+                </a:solidFill>
+              </a:rPr>
+              <a:t>Musik</a:t>
+            </a:r>
+            <a:endParaRPr lang="de-DE" dirty="0">
+              <a:solidFill>
+                <a:schemeClr val="bg1"/>
+              </a:solidFill>
+            </a:endParaRPr>
+          </a:p>
+        </p:txBody>
+      </p:sp>
+      <p:sp>
+        <p:nvSpPr>
+          <p:cNvPr id="15" name="Rechteck 14"/>
+          <p:cNvSpPr/>
+          <p:nvPr/>
+        </p:nvSpPr>
+        <p:spPr>
+          <a:xfrm>
+            <a:off x="3428999" y="2112494"/>
+            <a:ext cx="4159405" cy="2252546"/>
+          </a:xfrm>
+          <a:prstGeom prst="rect">
+            <a:avLst/>
+          </a:prstGeom>
+          <a:solidFill>
+            <a:schemeClr val="accent6"/>
+          </a:solidFill>
+        </p:spPr>
+        <p:style>
+          <a:lnRef idx="2">
+            <a:schemeClr val="accent1">
+              <a:shade val="50000"/>
+            </a:schemeClr>
+          </a:lnRef>
+          <a:fillRef idx="1">
+            <a:schemeClr val="accent1"/>
+          </a:fillRef>
+          <a:effectRef idx="0">
+            <a:schemeClr val="accent1"/>
+          </a:effectRef>
+          <a:fontRef idx="minor">
+            <a:schemeClr val="lt1"/>
+          </a:fontRef>
+        </p:style>
+        <p:txBody>
+          <a:bodyPr rtlCol="0" anchor="ctr"/>
+          <a:lstStyle/>
+          <a:p>
+            <a:pPr algn="ctr"/>
+            <a:r>
+              <a:rPr lang="de-DE" sz="5400" dirty="0" err="1" smtClean="0"/>
+              <a:t>LernBolt</a:t>
+            </a:r>
+            <a:endParaRPr lang="de-DE" sz="5400" dirty="0"/>
+          </a:p>
+        </p:txBody>
+      </p:sp>
+    </p:spTree>
+    <p:extLst>
+      <p:ext uri="{BB962C8B-B14F-4D97-AF65-F5344CB8AC3E}">
+        <p14:creationId xmlns:p14="http://schemas.microsoft.com/office/powerpoint/2010/main" val="1271388139"/>
       </p:ext>
     </p:extLst>
   </p:cSld>

--- a/Design_ideen.pptx
+++ b/Design_ideen.pptx
@@ -3771,22 +3771,55 @@
           <a:chExt cx="0" cy="0"/>
         </a:xfrm>
       </p:grpSpPr>
-      <p:sp>
-        <p:nvSpPr>
-          <p:cNvPr id="11" name="Rechteck 10"/>
+      <p:pic>
+        <p:nvPicPr>
+          <p:cNvPr id="3" name="Grafik 2"/>
+          <p:cNvPicPr>
+            <a:picLocks noChangeAspect="1"/>
+          </p:cNvPicPr>
+          <p:nvPr/>
+        </p:nvPicPr>
+        <p:blipFill>
+          <a:blip r:embed="rId2">
+            <a:grayscl/>
+            <a:extLst>
+              <a:ext uri="{28A0092B-C50C-407E-A947-70E740481C1C}">
+                <a14:useLocalDpi xmlns:a14="http://schemas.microsoft.com/office/drawing/2010/main" val="0"/>
+              </a:ext>
+            </a:extLst>
+          </a:blip>
+          <a:stretch>
+            <a:fillRect/>
+          </a:stretch>
+        </p:blipFill>
+        <p:spPr>
+          <a:xfrm>
+            <a:off x="1237786" y="500812"/>
+            <a:ext cx="8653346" cy="5398346"/>
+          </a:xfrm>
+          <a:prstGeom prst="rect">
+            <a:avLst/>
+          </a:prstGeom>
+        </p:spPr>
+      </p:pic>
+      <p:sp>
+        <p:nvSpPr>
+          <p:cNvPr id="4" name="Rechteck 3"/>
           <p:cNvSpPr/>
           <p:nvPr/>
         </p:nvSpPr>
         <p:spPr>
           <a:xfrm>
-            <a:off x="1237785" y="512458"/>
-            <a:ext cx="8653346" cy="5386700"/>
+            <a:off x="1237786" y="500812"/>
+            <a:ext cx="8653346" cy="5330283"/>
           </a:xfrm>
           <a:prstGeom prst="rect">
             <a:avLst/>
           </a:prstGeom>
           <a:solidFill>
-            <a:srgbClr val="FFFF66"/>
+            <a:schemeClr val="bg1">
+              <a:alpha val="50000"/>
+            </a:schemeClr>
           </a:solidFill>
         </p:spPr>
         <p:style>
@@ -3810,11 +3843,7 @@
           <a:lstStyle/>
           <a:p>
             <a:pPr algn="ctr"/>
-            <a:endParaRPr lang="de-DE">
-              <a:solidFill>
-                <a:schemeClr val="bg1"/>
-              </a:solidFill>
-            </a:endParaRPr>
+            <a:endParaRPr lang="de-DE"/>
           </a:p>
         </p:txBody>
       </p:sp>
@@ -3827,7 +3856,7 @@
           <p:nvPr/>
         </p:nvPicPr>
         <p:blipFill rotWithShape="1">
-          <a:blip r:embed="rId2" cstate="print">
+          <a:blip r:embed="rId3" cstate="print">
             <a:extLst>
               <a:ext uri="{28A0092B-C50C-407E-A947-70E740481C1C}">
                 <a14:useLocalDpi xmlns:a14="http://schemas.microsoft.com/office/drawing/2010/main" val="0"/>
@@ -3839,7 +3868,7 @@
         </p:blipFill>
         <p:spPr>
           <a:xfrm>
-            <a:off x="2815684" y="1416037"/>
+            <a:off x="2673505" y="1489230"/>
             <a:ext cx="5675970" cy="3601845"/>
           </a:xfrm>
           <a:prstGeom prst="rect">
@@ -3855,7 +3884,7 @@
         </p:nvSpPr>
         <p:spPr>
           <a:xfrm>
-            <a:off x="1237785" y="5508865"/>
+            <a:off x="1237785" y="5531654"/>
             <a:ext cx="2921620" cy="367495"/>
           </a:xfrm>
           <a:prstGeom prst="rect">

--- a/Design_ideen.pptx
+++ b/Design_ideen.pptx
@@ -3868,7 +3868,7 @@
         </p:blipFill>
         <p:spPr>
           <a:xfrm>
-            <a:off x="2673505" y="1489230"/>
+            <a:off x="2812098" y="1528436"/>
             <a:ext cx="5675970" cy="3601845"/>
           </a:xfrm>
           <a:prstGeom prst="rect">
@@ -4301,7 +4301,7 @@
         </p:nvSpPr>
         <p:spPr>
           <a:xfrm>
-            <a:off x="1845528" y="2977499"/>
+            <a:off x="1838357" y="2966430"/>
             <a:ext cx="512956" cy="758283"/>
           </a:xfrm>
           <a:prstGeom prst="rect">
@@ -4419,6 +4419,36 @@
           </a:p>
         </p:txBody>
       </p:sp>
+      <p:pic>
+        <p:nvPicPr>
+          <p:cNvPr id="2" name="Grafik 1"/>
+          <p:cNvPicPr>
+            <a:picLocks noChangeAspect="1"/>
+          </p:cNvPicPr>
+          <p:nvPr/>
+        </p:nvPicPr>
+        <p:blipFill>
+          <a:blip r:embed="rId2" cstate="print">
+            <a:extLst>
+              <a:ext uri="{28A0092B-C50C-407E-A947-70E740481C1C}">
+                <a14:useLocalDpi xmlns:a14="http://schemas.microsoft.com/office/drawing/2010/main" val="0"/>
+              </a:ext>
+            </a:extLst>
+          </a:blip>
+          <a:stretch>
+            <a:fillRect/>
+          </a:stretch>
+        </p:blipFill>
+        <p:spPr>
+          <a:xfrm>
+            <a:off x="1215483" y="557063"/>
+            <a:ext cx="8653346" cy="5363902"/>
+          </a:xfrm>
+          <a:prstGeom prst="rect">
+            <a:avLst/>
+          </a:prstGeom>
+        </p:spPr>
+      </p:pic>
       <p:sp>
         <p:nvSpPr>
           <p:cNvPr id="6" name="Rechteck 5"/>
@@ -4702,7 +4732,7 @@
         </p:nvSpPr>
         <p:spPr>
           <a:xfrm>
-            <a:off x="3428999" y="2112494"/>
+            <a:off x="3428999" y="1981866"/>
             <a:ext cx="4159405" cy="2252546"/>
           </a:xfrm>
           <a:prstGeom prst="rect">

--- a/Design_ideen.pptx
+++ b/Design_ideen.pptx
@@ -4464,7 +4464,9 @@
             <a:avLst/>
           </a:prstGeom>
           <a:solidFill>
-            <a:schemeClr val="accent6"/>
+            <a:schemeClr val="accent6">
+              <a:alpha val="50000"/>
+            </a:schemeClr>
           </a:solidFill>
         </p:spPr>
         <p:style>
@@ -4519,7 +4521,9 @@
             <a:avLst/>
           </a:prstGeom>
           <a:solidFill>
-            <a:schemeClr val="accent6"/>
+            <a:schemeClr val="accent6">
+              <a:alpha val="50000"/>
+            </a:schemeClr>
           </a:solidFill>
         </p:spPr>
         <p:style>
@@ -4574,7 +4578,9 @@
             <a:avLst/>
           </a:prstGeom>
           <a:solidFill>
-            <a:schemeClr val="accent6"/>
+            <a:schemeClr val="accent6">
+              <a:alpha val="50000"/>
+            </a:schemeClr>
           </a:solidFill>
         </p:spPr>
         <p:style>
@@ -4629,7 +4635,9 @@
             <a:avLst/>
           </a:prstGeom>
           <a:solidFill>
-            <a:schemeClr val="accent6"/>
+            <a:schemeClr val="accent6">
+              <a:alpha val="50000"/>
+            </a:schemeClr>
           </a:solidFill>
         </p:spPr>
         <p:style>
@@ -4684,7 +4692,9 @@
             <a:avLst/>
           </a:prstGeom>
           <a:solidFill>
-            <a:schemeClr val="accent6"/>
+            <a:schemeClr val="accent6">
+              <a:alpha val="50000"/>
+            </a:schemeClr>
           </a:solidFill>
         </p:spPr>
         <p:style>
@@ -4739,8 +4749,13 @@
             <a:avLst/>
           </a:prstGeom>
           <a:solidFill>
-            <a:schemeClr val="accent6"/>
+            <a:srgbClr val="FFFF00">
+              <a:alpha val="50000"/>
+            </a:srgbClr>
           </a:solidFill>
+          <a:ln>
+            <a:noFill/>
+          </a:ln>
         </p:spPr>
         <p:style>
           <a:lnRef idx="2">
